--- a/奇異恩典_不再綑綁.pptx
+++ b/奇異恩典_不再綑綁.pptx
@@ -13,7 +13,7 @@
     <p:sldId id="262" r:id="rId7"/>
     <p:sldId id="263" r:id="rId8"/>
   </p:sldIdLst>
-  <p:sldSz cx="9144000" cy="6858000" type="screen4x3"/>
+  <p:sldSz cx="9144000" cy="5143500" type="screen16x9"/>
   <p:notesSz cx="6858000" cy="9144000"/>
   <p:defaultTextStyle>
     <a:defPPr>
@@ -142,8 +142,8 @@
         </p:nvSpPr>
         <p:spPr>
           <a:xfrm>
-            <a:off x="685800" y="2130425"/>
-            <a:ext cx="7772400" cy="1470025"/>
+            <a:off x="685800" y="1597819"/>
+            <a:ext cx="7772400" cy="1102519"/>
           </a:xfrm>
         </p:spPr>
         <p:txBody>
@@ -170,8 +170,8 @@
         </p:nvSpPr>
         <p:spPr>
           <a:xfrm>
-            <a:off x="1371600" y="3886200"/>
-            <a:ext cx="6400800" cy="1752600"/>
+            <a:off x="1371600" y="2914650"/>
+            <a:ext cx="6400800" cy="1314450"/>
           </a:xfrm>
         </p:spPr>
         <p:txBody>
@@ -294,7 +294,7 @@
           <a:p>
             <a:fld id="{5826C3C4-BA31-49FC-9478-D3D8F0BC1222}" type="datetimeFigureOut">
               <a:rPr lang="en-US" smtClean="0"/>
-              <a:t>5/5/2019</a:t>
+              <a:t>8/3/2019</a:t>
             </a:fld>
             <a:endParaRPr lang="en-US"/>
           </a:p>
@@ -459,7 +459,7 @@
           <a:p>
             <a:fld id="{5826C3C4-BA31-49FC-9478-D3D8F0BC1222}" type="datetimeFigureOut">
               <a:rPr lang="en-US" smtClean="0"/>
-              <a:t>5/5/2019</a:t>
+              <a:t>8/3/2019</a:t>
             </a:fld>
             <a:endParaRPr lang="en-US"/>
           </a:p>
@@ -544,8 +544,8 @@
         </p:nvSpPr>
         <p:spPr>
           <a:xfrm>
-            <a:off x="6629400" y="274638"/>
-            <a:ext cx="2057400" cy="5851525"/>
+            <a:off x="6629400" y="205979"/>
+            <a:ext cx="2057400" cy="4388644"/>
           </a:xfrm>
         </p:spPr>
         <p:txBody>
@@ -572,8 +572,8 @@
         </p:nvSpPr>
         <p:spPr>
           <a:xfrm>
-            <a:off x="457200" y="274638"/>
-            <a:ext cx="6019800" cy="5851525"/>
+            <a:off x="457200" y="205979"/>
+            <a:ext cx="6019800" cy="4388644"/>
           </a:xfrm>
         </p:spPr>
         <p:txBody>
@@ -634,7 +634,7 @@
           <a:p>
             <a:fld id="{5826C3C4-BA31-49FC-9478-D3D8F0BC1222}" type="datetimeFigureOut">
               <a:rPr lang="en-US" smtClean="0"/>
-              <a:t>5/5/2019</a:t>
+              <a:t>8/3/2019</a:t>
             </a:fld>
             <a:endParaRPr lang="en-US"/>
           </a:p>
@@ -799,7 +799,7 @@
           <a:p>
             <a:fld id="{5826C3C4-BA31-49FC-9478-D3D8F0BC1222}" type="datetimeFigureOut">
               <a:rPr lang="en-US" smtClean="0"/>
-              <a:t>5/5/2019</a:t>
+              <a:t>8/3/2019</a:t>
             </a:fld>
             <a:endParaRPr lang="en-US"/>
           </a:p>
@@ -884,8 +884,8 @@
         </p:nvSpPr>
         <p:spPr>
           <a:xfrm>
-            <a:off x="722313" y="4406900"/>
-            <a:ext cx="7772400" cy="1362075"/>
+            <a:off x="722313" y="3305176"/>
+            <a:ext cx="7772400" cy="1021556"/>
           </a:xfrm>
         </p:spPr>
         <p:txBody>
@@ -916,8 +916,8 @@
         </p:nvSpPr>
         <p:spPr>
           <a:xfrm>
-            <a:off x="722313" y="2906713"/>
-            <a:ext cx="7772400" cy="1500187"/>
+            <a:off x="722313" y="2180035"/>
+            <a:ext cx="7772400" cy="1125140"/>
           </a:xfrm>
         </p:spPr>
         <p:txBody>
@@ -1040,7 +1040,7 @@
           <a:p>
             <a:fld id="{5826C3C4-BA31-49FC-9478-D3D8F0BC1222}" type="datetimeFigureOut">
               <a:rPr lang="en-US" smtClean="0"/>
-              <a:t>5/5/2019</a:t>
+              <a:t>8/3/2019</a:t>
             </a:fld>
             <a:endParaRPr lang="en-US"/>
           </a:p>
@@ -1148,8 +1148,8 @@
         </p:nvSpPr>
         <p:spPr>
           <a:xfrm>
-            <a:off x="457200" y="1600200"/>
-            <a:ext cx="4038600" cy="4525963"/>
+            <a:off x="457200" y="1200151"/>
+            <a:ext cx="4038600" cy="3394472"/>
           </a:xfrm>
         </p:spPr>
         <p:txBody>
@@ -1233,8 +1233,8 @@
         </p:nvSpPr>
         <p:spPr>
           <a:xfrm>
-            <a:off x="4648200" y="1600200"/>
-            <a:ext cx="4038600" cy="4525963"/>
+            <a:off x="4648200" y="1200151"/>
+            <a:ext cx="4038600" cy="3394472"/>
           </a:xfrm>
         </p:spPr>
         <p:txBody>
@@ -1323,7 +1323,7 @@
           <a:p>
             <a:fld id="{5826C3C4-BA31-49FC-9478-D3D8F0BC1222}" type="datetimeFigureOut">
               <a:rPr lang="en-US" smtClean="0"/>
-              <a:t>5/5/2019</a:t>
+              <a:t>8/3/2019</a:t>
             </a:fld>
             <a:endParaRPr lang="en-US"/>
           </a:p>
@@ -1435,8 +1435,8 @@
         </p:nvSpPr>
         <p:spPr>
           <a:xfrm>
-            <a:off x="457200" y="1535113"/>
-            <a:ext cx="4040188" cy="639762"/>
+            <a:off x="457200" y="1151335"/>
+            <a:ext cx="4040188" cy="479822"/>
           </a:xfrm>
         </p:spPr>
         <p:txBody>
@@ -1500,8 +1500,8 @@
         </p:nvSpPr>
         <p:spPr>
           <a:xfrm>
-            <a:off x="457200" y="2174875"/>
-            <a:ext cx="4040188" cy="3951288"/>
+            <a:off x="457200" y="1631156"/>
+            <a:ext cx="4040188" cy="2963466"/>
           </a:xfrm>
         </p:spPr>
         <p:txBody>
@@ -1585,8 +1585,8 @@
         </p:nvSpPr>
         <p:spPr>
           <a:xfrm>
-            <a:off x="4645025" y="1535113"/>
-            <a:ext cx="4041775" cy="639762"/>
+            <a:off x="4645026" y="1151335"/>
+            <a:ext cx="4041775" cy="479822"/>
           </a:xfrm>
         </p:spPr>
         <p:txBody>
@@ -1650,8 +1650,8 @@
         </p:nvSpPr>
         <p:spPr>
           <a:xfrm>
-            <a:off x="4645025" y="2174875"/>
-            <a:ext cx="4041775" cy="3951288"/>
+            <a:off x="4645026" y="1631156"/>
+            <a:ext cx="4041775" cy="2963466"/>
           </a:xfrm>
         </p:spPr>
         <p:txBody>
@@ -1740,7 +1740,7 @@
           <a:p>
             <a:fld id="{5826C3C4-BA31-49FC-9478-D3D8F0BC1222}" type="datetimeFigureOut">
               <a:rPr lang="en-US" smtClean="0"/>
-              <a:t>5/5/2019</a:t>
+              <a:t>8/3/2019</a:t>
             </a:fld>
             <a:endParaRPr lang="en-US"/>
           </a:p>
@@ -1853,7 +1853,7 @@
           <a:p>
             <a:fld id="{5826C3C4-BA31-49FC-9478-D3D8F0BC1222}" type="datetimeFigureOut">
               <a:rPr lang="en-US" smtClean="0"/>
-              <a:t>5/5/2019</a:t>
+              <a:t>8/3/2019</a:t>
             </a:fld>
             <a:endParaRPr lang="en-US"/>
           </a:p>
@@ -1943,7 +1943,7 @@
           <a:p>
             <a:fld id="{5826C3C4-BA31-49FC-9478-D3D8F0BC1222}" type="datetimeFigureOut">
               <a:rPr lang="en-US" smtClean="0"/>
-              <a:t>5/5/2019</a:t>
+              <a:t>8/3/2019</a:t>
             </a:fld>
             <a:endParaRPr lang="en-US"/>
           </a:p>
@@ -2028,8 +2028,8 @@
         </p:nvSpPr>
         <p:spPr>
           <a:xfrm>
-            <a:off x="457200" y="273050"/>
-            <a:ext cx="3008313" cy="1162050"/>
+            <a:off x="457201" y="204787"/>
+            <a:ext cx="3008313" cy="871538"/>
           </a:xfrm>
         </p:spPr>
         <p:txBody>
@@ -2060,8 +2060,8 @@
         </p:nvSpPr>
         <p:spPr>
           <a:xfrm>
-            <a:off x="3575050" y="273050"/>
-            <a:ext cx="5111750" cy="5853113"/>
+            <a:off x="3575050" y="204788"/>
+            <a:ext cx="5111750" cy="4389835"/>
           </a:xfrm>
         </p:spPr>
         <p:txBody>
@@ -2145,8 +2145,8 @@
         </p:nvSpPr>
         <p:spPr>
           <a:xfrm>
-            <a:off x="457200" y="1435100"/>
-            <a:ext cx="3008313" cy="4691063"/>
+            <a:off x="457201" y="1076326"/>
+            <a:ext cx="3008313" cy="3518297"/>
           </a:xfrm>
         </p:spPr>
         <p:txBody>
@@ -2215,7 +2215,7 @@
           <a:p>
             <a:fld id="{5826C3C4-BA31-49FC-9478-D3D8F0BC1222}" type="datetimeFigureOut">
               <a:rPr lang="en-US" smtClean="0"/>
-              <a:t>5/5/2019</a:t>
+              <a:t>8/3/2019</a:t>
             </a:fld>
             <a:endParaRPr lang="en-US"/>
           </a:p>
@@ -2300,8 +2300,8 @@
         </p:nvSpPr>
         <p:spPr>
           <a:xfrm>
-            <a:off x="1792288" y="4800600"/>
-            <a:ext cx="5486400" cy="566738"/>
+            <a:off x="1792288" y="3600450"/>
+            <a:ext cx="5486400" cy="425054"/>
           </a:xfrm>
         </p:spPr>
         <p:txBody>
@@ -2332,8 +2332,8 @@
         </p:nvSpPr>
         <p:spPr>
           <a:xfrm>
-            <a:off x="1792288" y="612775"/>
-            <a:ext cx="5486400" cy="4114800"/>
+            <a:off x="1792288" y="459581"/>
+            <a:ext cx="5486400" cy="3086100"/>
           </a:xfrm>
         </p:spPr>
         <p:txBody>
@@ -2397,8 +2397,8 @@
         </p:nvSpPr>
         <p:spPr>
           <a:xfrm>
-            <a:off x="1792288" y="5367338"/>
-            <a:ext cx="5486400" cy="804862"/>
+            <a:off x="1792288" y="4025503"/>
+            <a:ext cx="5486400" cy="603647"/>
           </a:xfrm>
         </p:spPr>
         <p:txBody>
@@ -2467,7 +2467,7 @@
           <a:p>
             <a:fld id="{5826C3C4-BA31-49FC-9478-D3D8F0BC1222}" type="datetimeFigureOut">
               <a:rPr lang="en-US" smtClean="0"/>
-              <a:t>5/5/2019</a:t>
+              <a:t>8/3/2019</a:t>
             </a:fld>
             <a:endParaRPr lang="en-US"/>
           </a:p>
@@ -2562,8 +2562,8 @@
         </p:nvSpPr>
         <p:spPr>
           <a:xfrm>
-            <a:off x="457200" y="274638"/>
-            <a:ext cx="8229600" cy="1143000"/>
+            <a:off x="457200" y="205979"/>
+            <a:ext cx="8229600" cy="857250"/>
           </a:xfrm>
           <a:prstGeom prst="rect">
             <a:avLst/>
@@ -2595,8 +2595,8 @@
         </p:nvSpPr>
         <p:spPr>
           <a:xfrm>
-            <a:off x="457200" y="1600200"/>
-            <a:ext cx="8229600" cy="4525963"/>
+            <a:off x="457200" y="1200151"/>
+            <a:ext cx="8229600" cy="3394472"/>
           </a:xfrm>
           <a:prstGeom prst="rect">
             <a:avLst/>
@@ -2657,8 +2657,8 @@
         </p:nvSpPr>
         <p:spPr>
           <a:xfrm>
-            <a:off x="457200" y="6356350"/>
-            <a:ext cx="2133600" cy="365125"/>
+            <a:off x="457200" y="4767263"/>
+            <a:ext cx="2133600" cy="273844"/>
           </a:xfrm>
           <a:prstGeom prst="rect">
             <a:avLst/>
@@ -2680,7 +2680,7 @@
           <a:p>
             <a:fld id="{5826C3C4-BA31-49FC-9478-D3D8F0BC1222}" type="datetimeFigureOut">
               <a:rPr lang="en-US" smtClean="0"/>
-              <a:t>5/5/2019</a:t>
+              <a:t>8/3/2019</a:t>
             </a:fld>
             <a:endParaRPr lang="en-US"/>
           </a:p>
@@ -2698,8 +2698,8 @@
         </p:nvSpPr>
         <p:spPr>
           <a:xfrm>
-            <a:off x="3124200" y="6356350"/>
-            <a:ext cx="2895600" cy="365125"/>
+            <a:off x="3124200" y="4767263"/>
+            <a:ext cx="2895600" cy="273844"/>
           </a:xfrm>
           <a:prstGeom prst="rect">
             <a:avLst/>
@@ -2735,8 +2735,8 @@
         </p:nvSpPr>
         <p:spPr>
           <a:xfrm>
-            <a:off x="6553200" y="6356350"/>
-            <a:ext cx="2133600" cy="365125"/>
+            <a:off x="6553200" y="4767263"/>
+            <a:ext cx="2133600" cy="273844"/>
           </a:xfrm>
           <a:prstGeom prst="rect">
             <a:avLst/>
@@ -3062,75 +3062,77 @@
         </p:nvSpPr>
         <p:spPr/>
         <p:txBody>
-          <a:bodyPr/>
-          <a:lstStyle/>
-          <a:p>
-            <a:r>
-              <a:rPr lang="zh-TW" altLang="en-US" b="1" dirty="0" smtClean="0">
-                <a:solidFill>
-                  <a:srgbClr val="000066"/>
-                </a:solidFill>
-                <a:latin typeface="微軟正黑體" pitchFamily="34" charset="-120"/>
-                <a:ea typeface="微軟正黑體" pitchFamily="34" charset="-120"/>
-              </a:rPr>
-              <a:t>奇異恩典</a:t>
-            </a:r>
-            <a:r>
-              <a:rPr lang="zh-CN" altLang="en-US" b="1" dirty="0" smtClean="0">
-                <a:solidFill>
-                  <a:srgbClr val="000066"/>
-                </a:solidFill>
-                <a:latin typeface="微軟正黑體" pitchFamily="34" charset="-120"/>
-                <a:ea typeface="微軟正黑體" pitchFamily="34" charset="-120"/>
-              </a:rPr>
-              <a:t>（</a:t>
-            </a:r>
-            <a:r>
-              <a:rPr lang="zh-TW" altLang="en-US" b="1" dirty="0" smtClean="0">
-                <a:solidFill>
-                  <a:srgbClr val="000066"/>
-                </a:solidFill>
-                <a:latin typeface="微軟正黑體" pitchFamily="34" charset="-120"/>
-                <a:ea typeface="微軟正黑體" pitchFamily="34" charset="-120"/>
-              </a:rPr>
-              <a:t>不再綑綁</a:t>
-            </a:r>
-            <a:r>
-              <a:rPr lang="zh-CN" altLang="en-US" b="1" dirty="0" smtClean="0">
-                <a:solidFill>
-                  <a:srgbClr val="000066"/>
-                </a:solidFill>
-                <a:latin typeface="微軟正黑體" pitchFamily="34" charset="-120"/>
-                <a:ea typeface="微軟正黑體" pitchFamily="34" charset="-120"/>
-              </a:rPr>
-              <a:t>）</a:t>
-            </a:r>
-            <a:endParaRPr lang="en-US" dirty="0"/>
-          </a:p>
-        </p:txBody>
-      </p:sp>
-      <p:sp>
-        <p:nvSpPr>
-          <p:cNvPr id="3" name="Content Placeholder 2"/>
-          <p:cNvSpPr>
-            <a:spLocks noGrp="1"/>
-          </p:cNvSpPr>
-          <p:nvPr>
-            <p:ph idx="1"/>
-          </p:nvPr>
-        </p:nvSpPr>
-        <p:spPr/>
-        <p:txBody>
           <a:bodyPr>
             <a:normAutofit/>
           </a:bodyPr>
           <a:lstStyle/>
           <a:p>
+            <a:r>
+              <a:rPr lang="zh-TW" altLang="en-US" sz="4000" b="1" dirty="0" smtClean="0">
+                <a:solidFill>
+                  <a:srgbClr val="000066"/>
+                </a:solidFill>
+                <a:latin typeface="微軟正黑體" pitchFamily="34" charset="-120"/>
+                <a:ea typeface="微軟正黑體" pitchFamily="34" charset="-120"/>
+              </a:rPr>
+              <a:t>奇異恩典</a:t>
+            </a:r>
+            <a:r>
+              <a:rPr lang="zh-CN" altLang="en-US" sz="4000" b="1" dirty="0" smtClean="0">
+                <a:solidFill>
+                  <a:srgbClr val="000066"/>
+                </a:solidFill>
+                <a:latin typeface="微軟正黑體" pitchFamily="34" charset="-120"/>
+                <a:ea typeface="微軟正黑體" pitchFamily="34" charset="-120"/>
+              </a:rPr>
+              <a:t>（</a:t>
+            </a:r>
+            <a:r>
+              <a:rPr lang="zh-TW" altLang="en-US" sz="4000" b="1" dirty="0" smtClean="0">
+                <a:solidFill>
+                  <a:srgbClr val="000066"/>
+                </a:solidFill>
+                <a:latin typeface="微軟正黑體" pitchFamily="34" charset="-120"/>
+                <a:ea typeface="微軟正黑體" pitchFamily="34" charset="-120"/>
+              </a:rPr>
+              <a:t>不再綑綁</a:t>
+            </a:r>
+            <a:r>
+              <a:rPr lang="zh-CN" altLang="en-US" sz="4000" b="1" dirty="0" smtClean="0">
+                <a:solidFill>
+                  <a:srgbClr val="000066"/>
+                </a:solidFill>
+                <a:latin typeface="微軟正黑體" pitchFamily="34" charset="-120"/>
+                <a:ea typeface="微軟正黑體" pitchFamily="34" charset="-120"/>
+              </a:rPr>
+              <a:t>）</a:t>
+            </a:r>
+            <a:endParaRPr lang="en-US" sz="4000" dirty="0"/>
+          </a:p>
+        </p:txBody>
+      </p:sp>
+      <p:sp>
+        <p:nvSpPr>
+          <p:cNvPr id="3" name="Content Placeholder 2"/>
+          <p:cNvSpPr>
+            <a:spLocks noGrp="1"/>
+          </p:cNvSpPr>
+          <p:nvPr>
+            <p:ph idx="1"/>
+          </p:nvPr>
+        </p:nvSpPr>
+        <p:spPr/>
+        <p:txBody>
+          <a:bodyPr>
+            <a:noAutofit/>
+          </a:bodyPr>
+          <a:lstStyle/>
+          <a:p>
             <a:pPr algn="ctr">
               <a:buNone/>
             </a:pPr>
             <a:r>
-              <a:rPr lang="zh-TW" altLang="en-US" sz="5400" b="1" dirty="0" smtClean="0">
+              <a:rPr lang="zh-TW" altLang="en-US" sz="4800" b="1" dirty="0" smtClean="0">
                 <a:solidFill>
                   <a:srgbClr val="000066"/>
                 </a:solidFill>
@@ -3139,7 +3141,7 @@
               </a:rPr>
               <a:t>奇異恩典 何等甘甜 </a:t>
             </a:r>
-            <a:endParaRPr lang="en-US" altLang="zh-TW" sz="5400" b="1" dirty="0" smtClean="0">
+            <a:endParaRPr lang="en-US" altLang="zh-TW" sz="4800" b="1" dirty="0" smtClean="0">
               <a:solidFill>
                 <a:srgbClr val="000066"/>
               </a:solidFill>
@@ -3152,7 +3154,7 @@
               <a:buNone/>
             </a:pPr>
             <a:r>
-              <a:rPr lang="zh-TW" altLang="en-US" sz="5400" b="1" dirty="0" smtClean="0">
+              <a:rPr lang="zh-TW" altLang="en-US" sz="4800" b="1" dirty="0" smtClean="0">
                 <a:solidFill>
                   <a:srgbClr val="000066"/>
                 </a:solidFill>
@@ -3161,14 +3163,14 @@
               </a:rPr>
               <a:t>我罪已得赦免</a:t>
             </a:r>
-            <a:endParaRPr lang="en-US" altLang="zh-TW" sz="5400" dirty="0" smtClean="0"/>
+            <a:endParaRPr lang="en-US" altLang="zh-TW" sz="4800" dirty="0" smtClean="0"/>
           </a:p>
           <a:p>
             <a:pPr algn="ctr">
               <a:buNone/>
             </a:pPr>
             <a:r>
-              <a:rPr lang="zh-TW" altLang="en-US" sz="5400" b="1" dirty="0" smtClean="0">
+              <a:rPr lang="zh-TW" altLang="en-US" sz="4800" b="1" dirty="0" smtClean="0">
                 <a:solidFill>
                   <a:srgbClr val="000066"/>
                 </a:solidFill>
@@ -3177,7 +3179,7 @@
               </a:rPr>
               <a:t>前我失喪 今被尋回 </a:t>
             </a:r>
-            <a:endParaRPr lang="en-US" altLang="zh-TW" sz="5400" b="1" dirty="0" smtClean="0">
+            <a:endParaRPr lang="en-US" altLang="zh-TW" sz="4800" b="1" dirty="0" smtClean="0">
               <a:solidFill>
                 <a:srgbClr val="000066"/>
               </a:solidFill>
@@ -3190,7 +3192,7 @@
               <a:buNone/>
             </a:pPr>
             <a:r>
-              <a:rPr lang="zh-TW" altLang="en-US" sz="5400" b="1" dirty="0" smtClean="0">
+              <a:rPr lang="zh-TW" altLang="en-US" sz="4800" b="1" dirty="0" smtClean="0">
                 <a:solidFill>
                   <a:srgbClr val="000066"/>
                 </a:solidFill>
@@ -3244,84 +3246,52 @@
         </p:nvSpPr>
         <p:spPr/>
         <p:txBody>
-          <a:bodyPr/>
-          <a:lstStyle/>
-          <a:p>
-            <a:r>
-              <a:rPr lang="zh-TW" altLang="en-US" b="1" dirty="0" smtClean="0">
-                <a:solidFill>
-                  <a:srgbClr val="000066"/>
-                </a:solidFill>
-                <a:latin typeface="微軟正黑體" pitchFamily="34" charset="-120"/>
-                <a:ea typeface="微軟正黑體" pitchFamily="34" charset="-120"/>
-              </a:rPr>
-              <a:t>奇異恩典</a:t>
-            </a:r>
-            <a:r>
-              <a:rPr lang="zh-CN" altLang="en-US" b="1" dirty="0" smtClean="0">
-                <a:solidFill>
-                  <a:srgbClr val="000066"/>
-                </a:solidFill>
-                <a:latin typeface="微軟正黑體" pitchFamily="34" charset="-120"/>
-                <a:ea typeface="微軟正黑體" pitchFamily="34" charset="-120"/>
-              </a:rPr>
-              <a:t>（</a:t>
-            </a:r>
-            <a:r>
-              <a:rPr lang="zh-TW" altLang="en-US" b="1" dirty="0" smtClean="0">
-                <a:solidFill>
-                  <a:srgbClr val="000066"/>
-                </a:solidFill>
-                <a:latin typeface="微軟正黑體" pitchFamily="34" charset="-120"/>
-                <a:ea typeface="微軟正黑體" pitchFamily="34" charset="-120"/>
-              </a:rPr>
-              <a:t>不再綑綁</a:t>
-            </a:r>
-            <a:r>
-              <a:rPr lang="zh-CN" altLang="en-US" b="1" dirty="0" smtClean="0">
-                <a:solidFill>
-                  <a:srgbClr val="000066"/>
-                </a:solidFill>
-                <a:latin typeface="微軟正黑體" pitchFamily="34" charset="-120"/>
-                <a:ea typeface="微軟正黑體" pitchFamily="34" charset="-120"/>
-              </a:rPr>
-              <a:t>）</a:t>
-            </a:r>
-            <a:endParaRPr lang="en-US" dirty="0"/>
-          </a:p>
-        </p:txBody>
-      </p:sp>
-      <p:sp>
-        <p:nvSpPr>
-          <p:cNvPr id="3" name="Content Placeholder 2"/>
-          <p:cNvSpPr>
-            <a:spLocks noGrp="1"/>
-          </p:cNvSpPr>
-          <p:nvPr>
-            <p:ph idx="1"/>
-          </p:nvPr>
-        </p:nvSpPr>
-        <p:spPr/>
-        <p:txBody>
           <a:bodyPr>
             <a:normAutofit/>
           </a:bodyPr>
           <a:lstStyle/>
           <a:p>
-            <a:pPr algn="ctr">
-              <a:buNone/>
-            </a:pPr>
-            <a:r>
-              <a:rPr lang="zh-CN" altLang="en-US" sz="5400" b="1" dirty="0">
-                <a:solidFill>
-                  <a:srgbClr val="000066"/>
-                </a:solidFill>
-                <a:latin typeface="微軟正黑體" pitchFamily="34" charset="-120"/>
-                <a:ea typeface="微軟正黑體" pitchFamily="34" charset="-120"/>
-              </a:rPr>
-              <a:t>如此恩典 使我敬畏 </a:t>
-            </a:r>
-            <a:endParaRPr lang="en-US" altLang="zh-CN" sz="5400" b="1" dirty="0">
+            <a:r>
+              <a:rPr lang="zh-TW" altLang="en-US" sz="4000" b="1" dirty="0">
+                <a:solidFill>
+                  <a:srgbClr val="000066"/>
+                </a:solidFill>
+                <a:latin typeface="微軟正黑體" pitchFamily="34" charset="-120"/>
+                <a:ea typeface="微軟正黑體" pitchFamily="34" charset="-120"/>
+              </a:rPr>
+              <a:t>奇異恩典</a:t>
+            </a:r>
+            <a:r>
+              <a:rPr lang="zh-CN" altLang="en-US" sz="4000" b="1" dirty="0">
+                <a:solidFill>
+                  <a:srgbClr val="000066"/>
+                </a:solidFill>
+                <a:latin typeface="微軟正黑體" pitchFamily="34" charset="-120"/>
+                <a:ea typeface="微軟正黑體" pitchFamily="34" charset="-120"/>
+              </a:rPr>
+              <a:t>（</a:t>
+            </a:r>
+            <a:r>
+              <a:rPr lang="zh-TW" altLang="en-US" sz="4000" b="1" dirty="0">
+                <a:solidFill>
+                  <a:srgbClr val="000066"/>
+                </a:solidFill>
+                <a:latin typeface="微軟正黑體" pitchFamily="34" charset="-120"/>
+                <a:ea typeface="微軟正黑體" pitchFamily="34" charset="-120"/>
+              </a:rPr>
+              <a:t>不再綑綁</a:t>
+            </a:r>
+            <a:r>
+              <a:rPr lang="zh-CN" altLang="en-US" sz="4000" b="1" dirty="0">
+                <a:solidFill>
+                  <a:srgbClr val="000066"/>
+                </a:solidFill>
+                <a:latin typeface="微軟正黑體" pitchFamily="34" charset="-120"/>
+                <a:ea typeface="微軟正黑體" pitchFamily="34" charset="-120"/>
+              </a:rPr>
+              <a:t>）</a:t>
+            </a:r>
+            <a:endParaRPr lang="en-US" sz="4000" b="1" dirty="0">
               <a:solidFill>
                 <a:srgbClr val="000066"/>
               </a:solidFill>
@@ -3329,31 +3299,39 @@
               <a:ea typeface="微軟正黑體" pitchFamily="34" charset="-120"/>
             </a:endParaRPr>
           </a:p>
+        </p:txBody>
+      </p:sp>
+      <p:sp>
+        <p:nvSpPr>
+          <p:cNvPr id="3" name="Content Placeholder 2"/>
+          <p:cNvSpPr>
+            <a:spLocks noGrp="1"/>
+          </p:cNvSpPr>
+          <p:nvPr>
+            <p:ph idx="1"/>
+          </p:nvPr>
+        </p:nvSpPr>
+        <p:spPr/>
+        <p:txBody>
+          <a:bodyPr>
+            <a:noAutofit/>
+          </a:bodyPr>
+          <a:lstStyle/>
           <a:p>
             <a:pPr algn="ctr">
               <a:buNone/>
             </a:pPr>
             <a:r>
-              <a:rPr lang="zh-CN" altLang="en-US" sz="5400" b="1" dirty="0">
-                <a:solidFill>
-                  <a:srgbClr val="000066"/>
-                </a:solidFill>
-                <a:latin typeface="微軟正黑體" pitchFamily="34" charset="-120"/>
-                <a:ea typeface="微軟正黑體" pitchFamily="34" charset="-120"/>
-              </a:rPr>
-              <a:t>使我心得安</a:t>
-            </a:r>
-            <a:r>
-              <a:rPr lang="zh-CN" altLang="en-US" sz="5400" b="1" dirty="0" smtClean="0">
-                <a:solidFill>
-                  <a:srgbClr val="000066"/>
-                </a:solidFill>
-                <a:latin typeface="微軟正黑體" pitchFamily="34" charset="-120"/>
-                <a:ea typeface="微軟正黑體" pitchFamily="34" charset="-120"/>
-              </a:rPr>
-              <a:t>慰</a:t>
-            </a:r>
-            <a:endParaRPr lang="en-US" altLang="zh-CN" sz="5400" b="1" dirty="0" smtClean="0">
+              <a:rPr lang="zh-CN" altLang="en-US" sz="4800" b="1" dirty="0">
+                <a:solidFill>
+                  <a:srgbClr val="000066"/>
+                </a:solidFill>
+                <a:latin typeface="微軟正黑體" pitchFamily="34" charset="-120"/>
+                <a:ea typeface="微軟正黑體" pitchFamily="34" charset="-120"/>
+              </a:rPr>
+              <a:t>如此恩典 使我敬畏 </a:t>
+            </a:r>
+            <a:endParaRPr lang="en-US" altLang="zh-CN" sz="4800" b="1" dirty="0">
               <a:solidFill>
                 <a:srgbClr val="000066"/>
               </a:solidFill>
@@ -3366,16 +3344,26 @@
               <a:buNone/>
             </a:pPr>
             <a:r>
-              <a:rPr lang="zh-TW" altLang="en-US" sz="5400" b="1" dirty="0">
-                <a:solidFill>
-                  <a:srgbClr val="000066"/>
-                </a:solidFill>
-                <a:latin typeface="微軟正黑體" pitchFamily="34" charset="-120"/>
-                <a:ea typeface="微軟正黑體" pitchFamily="34" charset="-120"/>
-              </a:rPr>
-              <a:t>初信之時 即蒙恩惠 </a:t>
-            </a:r>
-            <a:endParaRPr lang="en-US" altLang="zh-TW" sz="5400" b="1" dirty="0">
+              <a:rPr lang="zh-CN" altLang="en-US" sz="4800" b="1" dirty="0">
+                <a:solidFill>
+                  <a:srgbClr val="000066"/>
+                </a:solidFill>
+                <a:latin typeface="微軟正黑體" pitchFamily="34" charset="-120"/>
+                <a:ea typeface="微軟正黑體" pitchFamily="34" charset="-120"/>
+              </a:rPr>
+              <a:t>使我心得安</a:t>
+            </a:r>
+            <a:r>
+              <a:rPr lang="zh-CN" altLang="en-US" sz="4800" b="1" dirty="0">
+                <a:solidFill>
+                  <a:srgbClr val="000066"/>
+                </a:solidFill>
+                <a:latin typeface="微軟正黑體" pitchFamily="34" charset="-120"/>
+                <a:ea typeface="微軟正黑體" pitchFamily="34" charset="-120"/>
+              </a:rPr>
+              <a:t>慰</a:t>
+            </a:r>
+            <a:endParaRPr lang="en-US" altLang="zh-CN" sz="4800" b="1" dirty="0">
               <a:solidFill>
                 <a:srgbClr val="000066"/>
               </a:solidFill>
@@ -3388,7 +3376,29 @@
               <a:buNone/>
             </a:pPr>
             <a:r>
-              <a:rPr lang="zh-TW" altLang="en-US" sz="5400" b="1" dirty="0">
+              <a:rPr lang="zh-TW" altLang="en-US" sz="4800" b="1" dirty="0">
+                <a:solidFill>
+                  <a:srgbClr val="000066"/>
+                </a:solidFill>
+                <a:latin typeface="微軟正黑體" pitchFamily="34" charset="-120"/>
+                <a:ea typeface="微軟正黑體" pitchFamily="34" charset="-120"/>
+              </a:rPr>
+              <a:t>初信之時 即蒙恩惠 </a:t>
+            </a:r>
+            <a:endParaRPr lang="en-US" altLang="zh-TW" sz="4800" b="1" dirty="0">
+              <a:solidFill>
+                <a:srgbClr val="000066"/>
+              </a:solidFill>
+              <a:latin typeface="微軟正黑體" pitchFamily="34" charset="-120"/>
+              <a:ea typeface="微軟正黑體" pitchFamily="34" charset="-120"/>
+            </a:endParaRPr>
+          </a:p>
+          <a:p>
+            <a:pPr algn="ctr">
+              <a:buNone/>
+            </a:pPr>
+            <a:r>
+              <a:rPr lang="zh-TW" altLang="en-US" sz="4800" b="1" dirty="0">
                 <a:solidFill>
                   <a:srgbClr val="000066"/>
                 </a:solidFill>
@@ -3398,7 +3408,7 @@
               <a:t>真是何等寶</a:t>
             </a:r>
             <a:r>
-              <a:rPr lang="zh-TW" altLang="en-US" sz="5400" b="1" dirty="0" smtClean="0">
+              <a:rPr lang="zh-TW" altLang="en-US" sz="4800" b="1" dirty="0">
                 <a:solidFill>
                   <a:srgbClr val="000066"/>
                 </a:solidFill>
@@ -3407,7 +3417,7 @@
               </a:rPr>
               <a:t>貴</a:t>
             </a:r>
-            <a:endParaRPr lang="zh-TW" altLang="en-US" sz="5400" b="1" dirty="0">
+            <a:endParaRPr lang="zh-TW" altLang="en-US" sz="4800" b="1" dirty="0">
               <a:solidFill>
                 <a:srgbClr val="000066"/>
               </a:solidFill>
@@ -3459,84 +3469,52 @@
         </p:nvSpPr>
         <p:spPr/>
         <p:txBody>
-          <a:bodyPr/>
-          <a:lstStyle/>
-          <a:p>
-            <a:r>
-              <a:rPr lang="zh-TW" altLang="en-US" b="1" dirty="0" smtClean="0">
-                <a:solidFill>
-                  <a:srgbClr val="000066"/>
-                </a:solidFill>
-                <a:latin typeface="微軟正黑體" pitchFamily="34" charset="-120"/>
-                <a:ea typeface="微軟正黑體" pitchFamily="34" charset="-120"/>
-              </a:rPr>
-              <a:t>奇異恩典</a:t>
-            </a:r>
-            <a:r>
-              <a:rPr lang="zh-CN" altLang="en-US" b="1" dirty="0" smtClean="0">
-                <a:solidFill>
-                  <a:srgbClr val="000066"/>
-                </a:solidFill>
-                <a:latin typeface="微軟正黑體" pitchFamily="34" charset="-120"/>
-                <a:ea typeface="微軟正黑體" pitchFamily="34" charset="-120"/>
-              </a:rPr>
-              <a:t>（</a:t>
-            </a:r>
-            <a:r>
-              <a:rPr lang="zh-TW" altLang="en-US" b="1" dirty="0" smtClean="0">
-                <a:solidFill>
-                  <a:srgbClr val="000066"/>
-                </a:solidFill>
-                <a:latin typeface="微軟正黑體" pitchFamily="34" charset="-120"/>
-                <a:ea typeface="微軟正黑體" pitchFamily="34" charset="-120"/>
-              </a:rPr>
-              <a:t>不再綑綁</a:t>
-            </a:r>
-            <a:r>
-              <a:rPr lang="zh-CN" altLang="en-US" b="1" dirty="0" smtClean="0">
-                <a:solidFill>
-                  <a:srgbClr val="000066"/>
-                </a:solidFill>
-                <a:latin typeface="微軟正黑體" pitchFamily="34" charset="-120"/>
-                <a:ea typeface="微軟正黑體" pitchFamily="34" charset="-120"/>
-              </a:rPr>
-              <a:t>）</a:t>
-            </a:r>
-            <a:endParaRPr lang="en-US" dirty="0"/>
-          </a:p>
-        </p:txBody>
-      </p:sp>
-      <p:sp>
-        <p:nvSpPr>
-          <p:cNvPr id="3" name="Content Placeholder 2"/>
-          <p:cNvSpPr>
-            <a:spLocks noGrp="1"/>
-          </p:cNvSpPr>
-          <p:nvPr>
-            <p:ph idx="1"/>
-          </p:nvPr>
-        </p:nvSpPr>
-        <p:spPr/>
-        <p:txBody>
           <a:bodyPr>
             <a:normAutofit/>
           </a:bodyPr>
           <a:lstStyle/>
           <a:p>
-            <a:pPr algn="ctr">
-              <a:buNone/>
-            </a:pPr>
-            <a:r>
-              <a:rPr lang="zh-TW" altLang="en-US" sz="5400" b="1" dirty="0">
-                <a:solidFill>
-                  <a:srgbClr val="000066"/>
-                </a:solidFill>
-                <a:latin typeface="微軟正黑體" pitchFamily="34" charset="-120"/>
-                <a:ea typeface="微軟正黑體" pitchFamily="34" charset="-120"/>
-              </a:rPr>
-              <a:t>不再有捆綁 我已得釋放 </a:t>
-            </a:r>
-            <a:endParaRPr lang="en-US" altLang="zh-TW" sz="5400" b="1" dirty="0">
+            <a:r>
+              <a:rPr lang="zh-TW" altLang="en-US" sz="4000" b="1" dirty="0">
+                <a:solidFill>
+                  <a:srgbClr val="000066"/>
+                </a:solidFill>
+                <a:latin typeface="微軟正黑體" pitchFamily="34" charset="-120"/>
+                <a:ea typeface="微軟正黑體" pitchFamily="34" charset="-120"/>
+              </a:rPr>
+              <a:t>奇異恩典</a:t>
+            </a:r>
+            <a:r>
+              <a:rPr lang="zh-CN" altLang="en-US" sz="4000" b="1" dirty="0">
+                <a:solidFill>
+                  <a:srgbClr val="000066"/>
+                </a:solidFill>
+                <a:latin typeface="微軟正黑體" pitchFamily="34" charset="-120"/>
+                <a:ea typeface="微軟正黑體" pitchFamily="34" charset="-120"/>
+              </a:rPr>
+              <a:t>（</a:t>
+            </a:r>
+            <a:r>
+              <a:rPr lang="zh-TW" altLang="en-US" sz="4000" b="1" dirty="0">
+                <a:solidFill>
+                  <a:srgbClr val="000066"/>
+                </a:solidFill>
+                <a:latin typeface="微軟正黑體" pitchFamily="34" charset="-120"/>
+                <a:ea typeface="微軟正黑體" pitchFamily="34" charset="-120"/>
+              </a:rPr>
+              <a:t>不再綑綁</a:t>
+            </a:r>
+            <a:r>
+              <a:rPr lang="zh-CN" altLang="en-US" sz="4000" b="1" dirty="0">
+                <a:solidFill>
+                  <a:srgbClr val="000066"/>
+                </a:solidFill>
+                <a:latin typeface="微軟正黑體" pitchFamily="34" charset="-120"/>
+                <a:ea typeface="微軟正黑體" pitchFamily="34" charset="-120"/>
+              </a:rPr>
+              <a:t>）</a:t>
+            </a:r>
+            <a:endParaRPr lang="en-US" sz="4000" b="1" dirty="0">
               <a:solidFill>
                 <a:srgbClr val="000066"/>
               </a:solidFill>
@@ -3544,31 +3522,39 @@
               <a:ea typeface="微軟正黑體" pitchFamily="34" charset="-120"/>
             </a:endParaRPr>
           </a:p>
+        </p:txBody>
+      </p:sp>
+      <p:sp>
+        <p:nvSpPr>
+          <p:cNvPr id="3" name="Content Placeholder 2"/>
+          <p:cNvSpPr>
+            <a:spLocks noGrp="1"/>
+          </p:cNvSpPr>
+          <p:nvPr>
+            <p:ph idx="1"/>
+          </p:nvPr>
+        </p:nvSpPr>
+        <p:spPr/>
+        <p:txBody>
+          <a:bodyPr>
+            <a:noAutofit/>
+          </a:bodyPr>
+          <a:lstStyle/>
           <a:p>
             <a:pPr algn="ctr">
               <a:buNone/>
             </a:pPr>
             <a:r>
-              <a:rPr lang="zh-TW" altLang="en-US" sz="5400" b="1" dirty="0">
-                <a:solidFill>
-                  <a:srgbClr val="000066"/>
-                </a:solidFill>
-                <a:latin typeface="微軟正黑體" pitchFamily="34" charset="-120"/>
-                <a:ea typeface="微軟正黑體" pitchFamily="34" charset="-120"/>
-              </a:rPr>
-              <a:t>我救主耶穌 已付代</a:t>
-            </a:r>
-            <a:r>
-              <a:rPr lang="zh-TW" altLang="en-US" sz="5400" b="1" dirty="0" smtClean="0">
-                <a:solidFill>
-                  <a:srgbClr val="000066"/>
-                </a:solidFill>
-                <a:latin typeface="微軟正黑體" pitchFamily="34" charset="-120"/>
-                <a:ea typeface="微軟正黑體" pitchFamily="34" charset="-120"/>
-              </a:rPr>
-              <a:t>價</a:t>
-            </a:r>
-            <a:endParaRPr lang="en-US" altLang="zh-TW" sz="5400" b="1" dirty="0" smtClean="0">
+              <a:rPr lang="zh-TW" altLang="en-US" sz="4800" b="1" dirty="0">
+                <a:solidFill>
+                  <a:srgbClr val="000066"/>
+                </a:solidFill>
+                <a:latin typeface="微軟正黑體" pitchFamily="34" charset="-120"/>
+                <a:ea typeface="微軟正黑體" pitchFamily="34" charset="-120"/>
+              </a:rPr>
+              <a:t>不再有捆綁 我已得釋放 </a:t>
+            </a:r>
+            <a:endParaRPr lang="en-US" altLang="zh-TW" sz="4800" b="1" dirty="0">
               <a:solidFill>
                 <a:srgbClr val="000066"/>
               </a:solidFill>
@@ -3581,16 +3567,26 @@
               <a:buNone/>
             </a:pPr>
             <a:r>
-              <a:rPr lang="zh-TW" altLang="en-US" sz="5400" b="1" dirty="0">
-                <a:solidFill>
-                  <a:srgbClr val="000066"/>
-                </a:solidFill>
-                <a:latin typeface="微軟正黑體" pitchFamily="34" charset="-120"/>
-                <a:ea typeface="微軟正黑體" pitchFamily="34" charset="-120"/>
-              </a:rPr>
-              <a:t>豐富恩典 今充滿我 </a:t>
-            </a:r>
-            <a:endParaRPr lang="en-US" altLang="zh-TW" sz="5400" b="1" dirty="0">
+              <a:rPr lang="zh-TW" altLang="en-US" sz="4800" b="1" dirty="0">
+                <a:solidFill>
+                  <a:srgbClr val="000066"/>
+                </a:solidFill>
+                <a:latin typeface="微軟正黑體" pitchFamily="34" charset="-120"/>
+                <a:ea typeface="微軟正黑體" pitchFamily="34" charset="-120"/>
+              </a:rPr>
+              <a:t>我救主耶穌 已付代</a:t>
+            </a:r>
+            <a:r>
+              <a:rPr lang="zh-TW" altLang="en-US" sz="4800" b="1" dirty="0">
+                <a:solidFill>
+                  <a:srgbClr val="000066"/>
+                </a:solidFill>
+                <a:latin typeface="微軟正黑體" pitchFamily="34" charset="-120"/>
+                <a:ea typeface="微軟正黑體" pitchFamily="34" charset="-120"/>
+              </a:rPr>
+              <a:t>價</a:t>
+            </a:r>
+            <a:endParaRPr lang="en-US" altLang="zh-TW" sz="4800" b="1" dirty="0">
               <a:solidFill>
                 <a:srgbClr val="000066"/>
               </a:solidFill>
@@ -3603,7 +3599,29 @@
               <a:buNone/>
             </a:pPr>
             <a:r>
-              <a:rPr lang="zh-TW" altLang="en-US" sz="5400" b="1" dirty="0">
+              <a:rPr lang="zh-TW" altLang="en-US" sz="4800" b="1" dirty="0">
+                <a:solidFill>
+                  <a:srgbClr val="000066"/>
+                </a:solidFill>
+                <a:latin typeface="微軟正黑體" pitchFamily="34" charset="-120"/>
+                <a:ea typeface="微軟正黑體" pitchFamily="34" charset="-120"/>
+              </a:rPr>
+              <a:t>豐富恩典 今充滿我 </a:t>
+            </a:r>
+            <a:endParaRPr lang="en-US" altLang="zh-TW" sz="4800" b="1" dirty="0">
+              <a:solidFill>
+                <a:srgbClr val="000066"/>
+              </a:solidFill>
+              <a:latin typeface="微軟正黑體" pitchFamily="34" charset="-120"/>
+              <a:ea typeface="微軟正黑體" pitchFamily="34" charset="-120"/>
+            </a:endParaRPr>
+          </a:p>
+          <a:p>
+            <a:pPr algn="ctr">
+              <a:buNone/>
+            </a:pPr>
+            <a:r>
+              <a:rPr lang="zh-TW" altLang="en-US" sz="4800" b="1" dirty="0">
                 <a:solidFill>
                   <a:srgbClr val="000066"/>
                 </a:solidFill>
@@ -3613,7 +3631,7 @@
               <a:t>永恆的愛 奇異恩</a:t>
             </a:r>
             <a:r>
-              <a:rPr lang="zh-TW" altLang="en-US" sz="5400" b="1" dirty="0" smtClean="0">
+              <a:rPr lang="zh-TW" altLang="en-US" sz="4800" b="1" dirty="0">
                 <a:solidFill>
                   <a:srgbClr val="000066"/>
                 </a:solidFill>
@@ -3622,7 +3640,7 @@
               </a:rPr>
               <a:t>典</a:t>
             </a:r>
-            <a:endParaRPr lang="zh-TW" altLang="en-US" sz="5400" b="1" dirty="0">
+            <a:endParaRPr lang="zh-TW" altLang="en-US" sz="4800" b="1" dirty="0">
               <a:solidFill>
                 <a:srgbClr val="000066"/>
               </a:solidFill>
@@ -3674,84 +3692,52 @@
         </p:nvSpPr>
         <p:spPr/>
         <p:txBody>
-          <a:bodyPr/>
-          <a:lstStyle/>
-          <a:p>
-            <a:r>
-              <a:rPr lang="zh-TW" altLang="en-US" b="1" dirty="0" smtClean="0">
-                <a:solidFill>
-                  <a:srgbClr val="000066"/>
-                </a:solidFill>
-                <a:latin typeface="微軟正黑體" pitchFamily="34" charset="-120"/>
-                <a:ea typeface="微軟正黑體" pitchFamily="34" charset="-120"/>
-              </a:rPr>
-              <a:t>奇異恩典</a:t>
-            </a:r>
-            <a:r>
-              <a:rPr lang="zh-CN" altLang="en-US" b="1" dirty="0" smtClean="0">
-                <a:solidFill>
-                  <a:srgbClr val="000066"/>
-                </a:solidFill>
-                <a:latin typeface="微軟正黑體" pitchFamily="34" charset="-120"/>
-                <a:ea typeface="微軟正黑體" pitchFamily="34" charset="-120"/>
-              </a:rPr>
-              <a:t>（</a:t>
-            </a:r>
-            <a:r>
-              <a:rPr lang="zh-TW" altLang="en-US" b="1" dirty="0" smtClean="0">
-                <a:solidFill>
-                  <a:srgbClr val="000066"/>
-                </a:solidFill>
-                <a:latin typeface="微軟正黑體" pitchFamily="34" charset="-120"/>
-                <a:ea typeface="微軟正黑體" pitchFamily="34" charset="-120"/>
-              </a:rPr>
-              <a:t>不再綑綁</a:t>
-            </a:r>
-            <a:r>
-              <a:rPr lang="zh-CN" altLang="en-US" b="1" dirty="0" smtClean="0">
-                <a:solidFill>
-                  <a:srgbClr val="000066"/>
-                </a:solidFill>
-                <a:latin typeface="微軟正黑體" pitchFamily="34" charset="-120"/>
-                <a:ea typeface="微軟正黑體" pitchFamily="34" charset="-120"/>
-              </a:rPr>
-              <a:t>）</a:t>
-            </a:r>
-            <a:endParaRPr lang="en-US" dirty="0"/>
-          </a:p>
-        </p:txBody>
-      </p:sp>
-      <p:sp>
-        <p:nvSpPr>
-          <p:cNvPr id="3" name="Content Placeholder 2"/>
-          <p:cNvSpPr>
-            <a:spLocks noGrp="1"/>
-          </p:cNvSpPr>
-          <p:nvPr>
-            <p:ph idx="1"/>
-          </p:nvPr>
-        </p:nvSpPr>
-        <p:spPr/>
-        <p:txBody>
           <a:bodyPr>
             <a:normAutofit/>
           </a:bodyPr>
           <a:lstStyle/>
           <a:p>
-            <a:pPr algn="ctr">
-              <a:buNone/>
-            </a:pPr>
-            <a:r>
-              <a:rPr lang="zh-TW" altLang="en-US" sz="5400" b="1" dirty="0">
-                <a:solidFill>
-                  <a:srgbClr val="000066"/>
-                </a:solidFill>
-                <a:latin typeface="微軟正黑體" pitchFamily="34" charset="-120"/>
-                <a:ea typeface="微軟正黑體" pitchFamily="34" charset="-120"/>
-              </a:rPr>
-              <a:t>我主應許 美好無比 </a:t>
-            </a:r>
-            <a:endParaRPr lang="en-US" altLang="zh-TW" sz="5400" b="1" dirty="0">
+            <a:r>
+              <a:rPr lang="zh-TW" altLang="en-US" sz="4000" b="1" dirty="0">
+                <a:solidFill>
+                  <a:srgbClr val="000066"/>
+                </a:solidFill>
+                <a:latin typeface="微軟正黑體" pitchFamily="34" charset="-120"/>
+                <a:ea typeface="微軟正黑體" pitchFamily="34" charset="-120"/>
+              </a:rPr>
+              <a:t>奇異恩典</a:t>
+            </a:r>
+            <a:r>
+              <a:rPr lang="zh-CN" altLang="en-US" sz="4000" b="1" dirty="0">
+                <a:solidFill>
+                  <a:srgbClr val="000066"/>
+                </a:solidFill>
+                <a:latin typeface="微軟正黑體" pitchFamily="34" charset="-120"/>
+                <a:ea typeface="微軟正黑體" pitchFamily="34" charset="-120"/>
+              </a:rPr>
+              <a:t>（</a:t>
+            </a:r>
+            <a:r>
+              <a:rPr lang="zh-TW" altLang="en-US" sz="4000" b="1" dirty="0">
+                <a:solidFill>
+                  <a:srgbClr val="000066"/>
+                </a:solidFill>
+                <a:latin typeface="微軟正黑體" pitchFamily="34" charset="-120"/>
+                <a:ea typeface="微軟正黑體" pitchFamily="34" charset="-120"/>
+              </a:rPr>
+              <a:t>不再綑綁</a:t>
+            </a:r>
+            <a:r>
+              <a:rPr lang="zh-CN" altLang="en-US" sz="4000" b="1" dirty="0">
+                <a:solidFill>
+                  <a:srgbClr val="000066"/>
+                </a:solidFill>
+                <a:latin typeface="微軟正黑體" pitchFamily="34" charset="-120"/>
+                <a:ea typeface="微軟正黑體" pitchFamily="34" charset="-120"/>
+              </a:rPr>
+              <a:t>）</a:t>
+            </a:r>
+            <a:endParaRPr lang="en-US" sz="4000" b="1" dirty="0">
               <a:solidFill>
                 <a:srgbClr val="000066"/>
               </a:solidFill>
@@ -3759,31 +3745,39 @@
               <a:ea typeface="微軟正黑體" pitchFamily="34" charset="-120"/>
             </a:endParaRPr>
           </a:p>
+        </p:txBody>
+      </p:sp>
+      <p:sp>
+        <p:nvSpPr>
+          <p:cNvPr id="3" name="Content Placeholder 2"/>
+          <p:cNvSpPr>
+            <a:spLocks noGrp="1"/>
+          </p:cNvSpPr>
+          <p:nvPr>
+            <p:ph idx="1"/>
+          </p:nvPr>
+        </p:nvSpPr>
+        <p:spPr/>
+        <p:txBody>
+          <a:bodyPr>
+            <a:noAutofit/>
+          </a:bodyPr>
+          <a:lstStyle/>
           <a:p>
             <a:pPr algn="ctr">
               <a:buNone/>
             </a:pPr>
             <a:r>
-              <a:rPr lang="zh-TW" altLang="en-US" sz="5400" b="1" dirty="0">
-                <a:solidFill>
-                  <a:srgbClr val="000066"/>
-                </a:solidFill>
-                <a:latin typeface="微軟正黑體" pitchFamily="34" charset="-120"/>
-                <a:ea typeface="微軟正黑體" pitchFamily="34" charset="-120"/>
-              </a:rPr>
-              <a:t>盼望永不失</a:t>
-            </a:r>
-            <a:r>
-              <a:rPr lang="zh-TW" altLang="en-US" sz="5400" b="1" dirty="0" smtClean="0">
-                <a:solidFill>
-                  <a:srgbClr val="000066"/>
-                </a:solidFill>
-                <a:latin typeface="微軟正黑體" pitchFamily="34" charset="-120"/>
-                <a:ea typeface="微軟正黑體" pitchFamily="34" charset="-120"/>
-              </a:rPr>
-              <a:t>去</a:t>
-            </a:r>
-            <a:endParaRPr lang="en-US" altLang="zh-TW" sz="5400" b="1" dirty="0" smtClean="0">
+              <a:rPr lang="zh-TW" altLang="en-US" sz="4800" b="1" dirty="0">
+                <a:solidFill>
+                  <a:srgbClr val="000066"/>
+                </a:solidFill>
+                <a:latin typeface="微軟正黑體" pitchFamily="34" charset="-120"/>
+                <a:ea typeface="微軟正黑體" pitchFamily="34" charset="-120"/>
+              </a:rPr>
+              <a:t>我主應許 美好無比 </a:t>
+            </a:r>
+            <a:endParaRPr lang="en-US" altLang="zh-TW" sz="4800" b="1" dirty="0">
               <a:solidFill>
                 <a:srgbClr val="000066"/>
               </a:solidFill>
@@ -3796,16 +3790,26 @@
               <a:buNone/>
             </a:pPr>
             <a:r>
-              <a:rPr lang="zh-TW" altLang="en-US" sz="5400" b="1" dirty="0">
-                <a:solidFill>
-                  <a:srgbClr val="000066"/>
-                </a:solidFill>
-                <a:latin typeface="微軟正黑體" pitchFamily="34" charset="-120"/>
-                <a:ea typeface="微軟正黑體" pitchFamily="34" charset="-120"/>
-              </a:rPr>
-              <a:t>有主做為 盾牌福分 </a:t>
-            </a:r>
-            <a:endParaRPr lang="en-US" altLang="zh-TW" sz="5400" b="1" dirty="0">
+              <a:rPr lang="zh-TW" altLang="en-US" sz="4800" b="1" dirty="0">
+                <a:solidFill>
+                  <a:srgbClr val="000066"/>
+                </a:solidFill>
+                <a:latin typeface="微軟正黑體" pitchFamily="34" charset="-120"/>
+                <a:ea typeface="微軟正黑體" pitchFamily="34" charset="-120"/>
+              </a:rPr>
+              <a:t>盼望永不失</a:t>
+            </a:r>
+            <a:r>
+              <a:rPr lang="zh-TW" altLang="en-US" sz="4800" b="1" dirty="0">
+                <a:solidFill>
+                  <a:srgbClr val="000066"/>
+                </a:solidFill>
+                <a:latin typeface="微軟正黑體" pitchFamily="34" charset="-120"/>
+                <a:ea typeface="微軟正黑體" pitchFamily="34" charset="-120"/>
+              </a:rPr>
+              <a:t>去</a:t>
+            </a:r>
+            <a:endParaRPr lang="en-US" altLang="zh-TW" sz="4800" b="1" dirty="0">
               <a:solidFill>
                 <a:srgbClr val="000066"/>
               </a:solidFill>
@@ -3818,7 +3822,29 @@
               <a:buNone/>
             </a:pPr>
             <a:r>
-              <a:rPr lang="zh-TW" altLang="en-US" sz="5400" b="1" dirty="0">
+              <a:rPr lang="zh-TW" altLang="en-US" sz="4800" b="1" dirty="0">
+                <a:solidFill>
+                  <a:srgbClr val="000066"/>
+                </a:solidFill>
+                <a:latin typeface="微軟正黑體" pitchFamily="34" charset="-120"/>
+                <a:ea typeface="微軟正黑體" pitchFamily="34" charset="-120"/>
+              </a:rPr>
+              <a:t>有主做為 盾牌福分 </a:t>
+            </a:r>
+            <a:endParaRPr lang="en-US" altLang="zh-TW" sz="4800" b="1" dirty="0">
+              <a:solidFill>
+                <a:srgbClr val="000066"/>
+              </a:solidFill>
+              <a:latin typeface="微軟正黑體" pitchFamily="34" charset="-120"/>
+              <a:ea typeface="微軟正黑體" pitchFamily="34" charset="-120"/>
+            </a:endParaRPr>
+          </a:p>
+          <a:p>
+            <a:pPr algn="ctr">
+              <a:buNone/>
+            </a:pPr>
+            <a:r>
+              <a:rPr lang="zh-TW" altLang="en-US" sz="4800" b="1" dirty="0">
                 <a:solidFill>
                   <a:srgbClr val="000066"/>
                 </a:solidFill>
@@ -3828,7 +3854,7 @@
               <a:t>我心不再畏</a:t>
             </a:r>
             <a:r>
-              <a:rPr lang="zh-TW" altLang="en-US" sz="5400" b="1" dirty="0" smtClean="0">
+              <a:rPr lang="zh-TW" altLang="en-US" sz="4800" b="1" dirty="0">
                 <a:solidFill>
                   <a:srgbClr val="000066"/>
                 </a:solidFill>
@@ -3837,7 +3863,7 @@
               </a:rPr>
               <a:t>懼</a:t>
             </a:r>
-            <a:endParaRPr lang="zh-TW" altLang="en-US" sz="5400" b="1" dirty="0">
+            <a:endParaRPr lang="zh-TW" altLang="en-US" sz="4800" b="1" dirty="0">
               <a:solidFill>
                 <a:srgbClr val="000066"/>
               </a:solidFill>
@@ -3889,84 +3915,52 @@
         </p:nvSpPr>
         <p:spPr/>
         <p:txBody>
-          <a:bodyPr/>
-          <a:lstStyle/>
-          <a:p>
-            <a:r>
-              <a:rPr lang="zh-TW" altLang="en-US" b="1" dirty="0" smtClean="0">
-                <a:solidFill>
-                  <a:srgbClr val="000066"/>
-                </a:solidFill>
-                <a:latin typeface="微軟正黑體" pitchFamily="34" charset="-120"/>
-                <a:ea typeface="微軟正黑體" pitchFamily="34" charset="-120"/>
-              </a:rPr>
-              <a:t>奇異恩典</a:t>
-            </a:r>
-            <a:r>
-              <a:rPr lang="zh-CN" altLang="en-US" b="1" dirty="0" smtClean="0">
-                <a:solidFill>
-                  <a:srgbClr val="000066"/>
-                </a:solidFill>
-                <a:latin typeface="微軟正黑體" pitchFamily="34" charset="-120"/>
-                <a:ea typeface="微軟正黑體" pitchFamily="34" charset="-120"/>
-              </a:rPr>
-              <a:t>（</a:t>
-            </a:r>
-            <a:r>
-              <a:rPr lang="zh-TW" altLang="en-US" b="1" dirty="0" smtClean="0">
-                <a:solidFill>
-                  <a:srgbClr val="000066"/>
-                </a:solidFill>
-                <a:latin typeface="微軟正黑體" pitchFamily="34" charset="-120"/>
-                <a:ea typeface="微軟正黑體" pitchFamily="34" charset="-120"/>
-              </a:rPr>
-              <a:t>不再綑綁</a:t>
-            </a:r>
-            <a:r>
-              <a:rPr lang="zh-CN" altLang="en-US" b="1" dirty="0" smtClean="0">
-                <a:solidFill>
-                  <a:srgbClr val="000066"/>
-                </a:solidFill>
-                <a:latin typeface="微軟正黑體" pitchFamily="34" charset="-120"/>
-                <a:ea typeface="微軟正黑體" pitchFamily="34" charset="-120"/>
-              </a:rPr>
-              <a:t>）</a:t>
-            </a:r>
-            <a:endParaRPr lang="en-US" dirty="0"/>
-          </a:p>
-        </p:txBody>
-      </p:sp>
-      <p:sp>
-        <p:nvSpPr>
-          <p:cNvPr id="3" name="Content Placeholder 2"/>
-          <p:cNvSpPr>
-            <a:spLocks noGrp="1"/>
-          </p:cNvSpPr>
-          <p:nvPr>
-            <p:ph idx="1"/>
-          </p:nvPr>
-        </p:nvSpPr>
-        <p:spPr/>
-        <p:txBody>
           <a:bodyPr>
             <a:normAutofit/>
           </a:bodyPr>
           <a:lstStyle/>
           <a:p>
-            <a:pPr algn="ctr">
-              <a:buNone/>
-            </a:pPr>
-            <a:r>
-              <a:rPr lang="zh-TW" altLang="en-US" sz="5400" b="1" dirty="0">
-                <a:solidFill>
-                  <a:srgbClr val="000066"/>
-                </a:solidFill>
-                <a:latin typeface="微軟正黑體" pitchFamily="34" charset="-120"/>
-                <a:ea typeface="微軟正黑體" pitchFamily="34" charset="-120"/>
-              </a:rPr>
-              <a:t>不再有捆綁 我已得釋放 </a:t>
-            </a:r>
-            <a:endParaRPr lang="en-US" altLang="zh-TW" sz="5400" b="1" dirty="0">
+            <a:r>
+              <a:rPr lang="zh-TW" altLang="en-US" sz="4000" b="1" dirty="0">
+                <a:solidFill>
+                  <a:srgbClr val="000066"/>
+                </a:solidFill>
+                <a:latin typeface="微軟正黑體" pitchFamily="34" charset="-120"/>
+                <a:ea typeface="微軟正黑體" pitchFamily="34" charset="-120"/>
+              </a:rPr>
+              <a:t>奇異恩典</a:t>
+            </a:r>
+            <a:r>
+              <a:rPr lang="zh-CN" altLang="en-US" sz="4000" b="1" dirty="0">
+                <a:solidFill>
+                  <a:srgbClr val="000066"/>
+                </a:solidFill>
+                <a:latin typeface="微軟正黑體" pitchFamily="34" charset="-120"/>
+                <a:ea typeface="微軟正黑體" pitchFamily="34" charset="-120"/>
+              </a:rPr>
+              <a:t>（</a:t>
+            </a:r>
+            <a:r>
+              <a:rPr lang="zh-TW" altLang="en-US" sz="4000" b="1" dirty="0">
+                <a:solidFill>
+                  <a:srgbClr val="000066"/>
+                </a:solidFill>
+                <a:latin typeface="微軟正黑體" pitchFamily="34" charset="-120"/>
+                <a:ea typeface="微軟正黑體" pitchFamily="34" charset="-120"/>
+              </a:rPr>
+              <a:t>不再綑綁</a:t>
+            </a:r>
+            <a:r>
+              <a:rPr lang="zh-CN" altLang="en-US" sz="4000" b="1" dirty="0">
+                <a:solidFill>
+                  <a:srgbClr val="000066"/>
+                </a:solidFill>
+                <a:latin typeface="微軟正黑體" pitchFamily="34" charset="-120"/>
+                <a:ea typeface="微軟正黑體" pitchFamily="34" charset="-120"/>
+              </a:rPr>
+              <a:t>）</a:t>
+            </a:r>
+            <a:endParaRPr lang="en-US" sz="4000" b="1" dirty="0">
               <a:solidFill>
                 <a:srgbClr val="000066"/>
               </a:solidFill>
@@ -3974,31 +3968,39 @@
               <a:ea typeface="微軟正黑體" pitchFamily="34" charset="-120"/>
             </a:endParaRPr>
           </a:p>
+        </p:txBody>
+      </p:sp>
+      <p:sp>
+        <p:nvSpPr>
+          <p:cNvPr id="3" name="Content Placeholder 2"/>
+          <p:cNvSpPr>
+            <a:spLocks noGrp="1"/>
+          </p:cNvSpPr>
+          <p:nvPr>
+            <p:ph idx="1"/>
+          </p:nvPr>
+        </p:nvSpPr>
+        <p:spPr/>
+        <p:txBody>
+          <a:bodyPr>
+            <a:noAutofit/>
+          </a:bodyPr>
+          <a:lstStyle/>
           <a:p>
             <a:pPr algn="ctr">
               <a:buNone/>
             </a:pPr>
             <a:r>
-              <a:rPr lang="zh-TW" altLang="en-US" sz="5400" b="1" dirty="0">
-                <a:solidFill>
-                  <a:srgbClr val="000066"/>
-                </a:solidFill>
-                <a:latin typeface="微軟正黑體" pitchFamily="34" charset="-120"/>
-                <a:ea typeface="微軟正黑體" pitchFamily="34" charset="-120"/>
-              </a:rPr>
-              <a:t>我救主耶穌 已付代</a:t>
-            </a:r>
-            <a:r>
-              <a:rPr lang="zh-TW" altLang="en-US" sz="5400" b="1" dirty="0" smtClean="0">
-                <a:solidFill>
-                  <a:srgbClr val="000066"/>
-                </a:solidFill>
-                <a:latin typeface="微軟正黑體" pitchFamily="34" charset="-120"/>
-                <a:ea typeface="微軟正黑體" pitchFamily="34" charset="-120"/>
-              </a:rPr>
-              <a:t>價</a:t>
-            </a:r>
-            <a:endParaRPr lang="en-US" altLang="zh-TW" sz="5400" b="1" dirty="0" smtClean="0">
+              <a:rPr lang="zh-TW" altLang="en-US" sz="4800" b="1" dirty="0">
+                <a:solidFill>
+                  <a:srgbClr val="000066"/>
+                </a:solidFill>
+                <a:latin typeface="微軟正黑體" pitchFamily="34" charset="-120"/>
+                <a:ea typeface="微軟正黑體" pitchFamily="34" charset="-120"/>
+              </a:rPr>
+              <a:t>不再有捆綁 我已得釋放 </a:t>
+            </a:r>
+            <a:endParaRPr lang="en-US" altLang="zh-TW" sz="4800" b="1" dirty="0">
               <a:solidFill>
                 <a:srgbClr val="000066"/>
               </a:solidFill>
@@ -4011,16 +4013,26 @@
               <a:buNone/>
             </a:pPr>
             <a:r>
-              <a:rPr lang="zh-TW" altLang="en-US" sz="5400" b="1" dirty="0">
-                <a:solidFill>
-                  <a:srgbClr val="000066"/>
-                </a:solidFill>
-                <a:latin typeface="微軟正黑體" pitchFamily="34" charset="-120"/>
-                <a:ea typeface="微軟正黑體" pitchFamily="34" charset="-120"/>
-              </a:rPr>
-              <a:t>豐富恩典 今充滿我 </a:t>
-            </a:r>
-            <a:endParaRPr lang="en-US" altLang="zh-TW" sz="5400" b="1" dirty="0">
+              <a:rPr lang="zh-TW" altLang="en-US" sz="4800" b="1" dirty="0">
+                <a:solidFill>
+                  <a:srgbClr val="000066"/>
+                </a:solidFill>
+                <a:latin typeface="微軟正黑體" pitchFamily="34" charset="-120"/>
+                <a:ea typeface="微軟正黑體" pitchFamily="34" charset="-120"/>
+              </a:rPr>
+              <a:t>我救主耶穌 已付代</a:t>
+            </a:r>
+            <a:r>
+              <a:rPr lang="zh-TW" altLang="en-US" sz="4800" b="1" dirty="0">
+                <a:solidFill>
+                  <a:srgbClr val="000066"/>
+                </a:solidFill>
+                <a:latin typeface="微軟正黑體" pitchFamily="34" charset="-120"/>
+                <a:ea typeface="微軟正黑體" pitchFamily="34" charset="-120"/>
+              </a:rPr>
+              <a:t>價</a:t>
+            </a:r>
+            <a:endParaRPr lang="en-US" altLang="zh-TW" sz="4800" b="1" dirty="0">
               <a:solidFill>
                 <a:srgbClr val="000066"/>
               </a:solidFill>
@@ -4033,7 +4045,29 @@
               <a:buNone/>
             </a:pPr>
             <a:r>
-              <a:rPr lang="zh-TW" altLang="en-US" sz="5400" b="1" dirty="0">
+              <a:rPr lang="zh-TW" altLang="en-US" sz="4800" b="1" dirty="0">
+                <a:solidFill>
+                  <a:srgbClr val="000066"/>
+                </a:solidFill>
+                <a:latin typeface="微軟正黑體" pitchFamily="34" charset="-120"/>
+                <a:ea typeface="微軟正黑體" pitchFamily="34" charset="-120"/>
+              </a:rPr>
+              <a:t>豐富恩典 今充滿我 </a:t>
+            </a:r>
+            <a:endParaRPr lang="en-US" altLang="zh-TW" sz="4800" b="1" dirty="0">
+              <a:solidFill>
+                <a:srgbClr val="000066"/>
+              </a:solidFill>
+              <a:latin typeface="微軟正黑體" pitchFamily="34" charset="-120"/>
+              <a:ea typeface="微軟正黑體" pitchFamily="34" charset="-120"/>
+            </a:endParaRPr>
+          </a:p>
+          <a:p>
+            <a:pPr algn="ctr">
+              <a:buNone/>
+            </a:pPr>
+            <a:r>
+              <a:rPr lang="zh-TW" altLang="en-US" sz="4800" b="1" dirty="0">
                 <a:solidFill>
                   <a:srgbClr val="000066"/>
                 </a:solidFill>
@@ -4043,7 +4077,7 @@
               <a:t>永恆的愛 奇異恩</a:t>
             </a:r>
             <a:r>
-              <a:rPr lang="zh-TW" altLang="en-US" sz="5400" b="1" dirty="0" smtClean="0">
+              <a:rPr lang="zh-TW" altLang="en-US" sz="4800" b="1" dirty="0">
                 <a:solidFill>
                   <a:srgbClr val="000066"/>
                 </a:solidFill>
@@ -4052,7 +4086,7 @@
               </a:rPr>
               <a:t>典</a:t>
             </a:r>
-            <a:endParaRPr lang="zh-TW" altLang="en-US" sz="5400" b="1" dirty="0">
+            <a:endParaRPr lang="zh-TW" altLang="en-US" sz="4800" b="1" dirty="0">
               <a:solidFill>
                 <a:srgbClr val="000066"/>
               </a:solidFill>
@@ -4104,84 +4138,52 @@
         </p:nvSpPr>
         <p:spPr/>
         <p:txBody>
-          <a:bodyPr/>
-          <a:lstStyle/>
-          <a:p>
-            <a:r>
-              <a:rPr lang="zh-TW" altLang="en-US" b="1" dirty="0" smtClean="0">
-                <a:solidFill>
-                  <a:srgbClr val="000066"/>
-                </a:solidFill>
-                <a:latin typeface="微軟正黑體" pitchFamily="34" charset="-120"/>
-                <a:ea typeface="微軟正黑體" pitchFamily="34" charset="-120"/>
-              </a:rPr>
-              <a:t>奇異恩典</a:t>
-            </a:r>
-            <a:r>
-              <a:rPr lang="zh-CN" altLang="en-US" b="1" dirty="0" smtClean="0">
-                <a:solidFill>
-                  <a:srgbClr val="000066"/>
-                </a:solidFill>
-                <a:latin typeface="微軟正黑體" pitchFamily="34" charset="-120"/>
-                <a:ea typeface="微軟正黑體" pitchFamily="34" charset="-120"/>
-              </a:rPr>
-              <a:t>（</a:t>
-            </a:r>
-            <a:r>
-              <a:rPr lang="zh-TW" altLang="en-US" b="1" dirty="0" smtClean="0">
-                <a:solidFill>
-                  <a:srgbClr val="000066"/>
-                </a:solidFill>
-                <a:latin typeface="微軟正黑體" pitchFamily="34" charset="-120"/>
-                <a:ea typeface="微軟正黑體" pitchFamily="34" charset="-120"/>
-              </a:rPr>
-              <a:t>不再綑綁</a:t>
-            </a:r>
-            <a:r>
-              <a:rPr lang="zh-CN" altLang="en-US" b="1" dirty="0" smtClean="0">
-                <a:solidFill>
-                  <a:srgbClr val="000066"/>
-                </a:solidFill>
-                <a:latin typeface="微軟正黑體" pitchFamily="34" charset="-120"/>
-                <a:ea typeface="微軟正黑體" pitchFamily="34" charset="-120"/>
-              </a:rPr>
-              <a:t>）</a:t>
-            </a:r>
-            <a:endParaRPr lang="en-US" dirty="0"/>
-          </a:p>
-        </p:txBody>
-      </p:sp>
-      <p:sp>
-        <p:nvSpPr>
-          <p:cNvPr id="3" name="Content Placeholder 2"/>
-          <p:cNvSpPr>
-            <a:spLocks noGrp="1"/>
-          </p:cNvSpPr>
-          <p:nvPr>
-            <p:ph idx="1"/>
-          </p:nvPr>
-        </p:nvSpPr>
-        <p:spPr/>
-        <p:txBody>
           <a:bodyPr>
             <a:normAutofit/>
           </a:bodyPr>
           <a:lstStyle/>
           <a:p>
-            <a:pPr algn="ctr">
-              <a:buNone/>
-            </a:pPr>
-            <a:r>
-              <a:rPr lang="zh-TW" altLang="en-US" sz="5400" b="1" dirty="0">
-                <a:solidFill>
-                  <a:srgbClr val="000066"/>
-                </a:solidFill>
-                <a:latin typeface="微軟正黑體" pitchFamily="34" charset="-120"/>
-                <a:ea typeface="微軟正黑體" pitchFamily="34" charset="-120"/>
-              </a:rPr>
-              <a:t>天地都會 漸漸廢去 </a:t>
-            </a:r>
-            <a:endParaRPr lang="en-US" altLang="zh-TW" sz="5400" b="1" dirty="0">
+            <a:r>
+              <a:rPr lang="zh-TW" altLang="en-US" sz="4000" b="1" dirty="0">
+                <a:solidFill>
+                  <a:srgbClr val="000066"/>
+                </a:solidFill>
+                <a:latin typeface="微軟正黑體" pitchFamily="34" charset="-120"/>
+                <a:ea typeface="微軟正黑體" pitchFamily="34" charset="-120"/>
+              </a:rPr>
+              <a:t>奇異恩典</a:t>
+            </a:r>
+            <a:r>
+              <a:rPr lang="zh-CN" altLang="en-US" sz="4000" b="1" dirty="0">
+                <a:solidFill>
+                  <a:srgbClr val="000066"/>
+                </a:solidFill>
+                <a:latin typeface="微軟正黑體" pitchFamily="34" charset="-120"/>
+                <a:ea typeface="微軟正黑體" pitchFamily="34" charset="-120"/>
+              </a:rPr>
+              <a:t>（</a:t>
+            </a:r>
+            <a:r>
+              <a:rPr lang="zh-TW" altLang="en-US" sz="4000" b="1" dirty="0">
+                <a:solidFill>
+                  <a:srgbClr val="000066"/>
+                </a:solidFill>
+                <a:latin typeface="微軟正黑體" pitchFamily="34" charset="-120"/>
+                <a:ea typeface="微軟正黑體" pitchFamily="34" charset="-120"/>
+              </a:rPr>
+              <a:t>不再綑綁</a:t>
+            </a:r>
+            <a:r>
+              <a:rPr lang="zh-CN" altLang="en-US" sz="4000" b="1" dirty="0">
+                <a:solidFill>
+                  <a:srgbClr val="000066"/>
+                </a:solidFill>
+                <a:latin typeface="微軟正黑體" pitchFamily="34" charset="-120"/>
+                <a:ea typeface="微軟正黑體" pitchFamily="34" charset="-120"/>
+              </a:rPr>
+              <a:t>）</a:t>
+            </a:r>
+            <a:endParaRPr lang="en-US" sz="4000" b="1" dirty="0">
               <a:solidFill>
                 <a:srgbClr val="000066"/>
               </a:solidFill>
@@ -4189,31 +4191,39 @@
               <a:ea typeface="微軟正黑體" pitchFamily="34" charset="-120"/>
             </a:endParaRPr>
           </a:p>
+        </p:txBody>
+      </p:sp>
+      <p:sp>
+        <p:nvSpPr>
+          <p:cNvPr id="3" name="Content Placeholder 2"/>
+          <p:cNvSpPr>
+            <a:spLocks noGrp="1"/>
+          </p:cNvSpPr>
+          <p:nvPr>
+            <p:ph idx="1"/>
+          </p:nvPr>
+        </p:nvSpPr>
+        <p:spPr/>
+        <p:txBody>
+          <a:bodyPr>
+            <a:noAutofit/>
+          </a:bodyPr>
+          <a:lstStyle/>
           <a:p>
             <a:pPr algn="ctr">
               <a:buNone/>
             </a:pPr>
             <a:r>
-              <a:rPr lang="zh-TW" altLang="en-US" sz="5400" b="1" dirty="0">
-                <a:solidFill>
-                  <a:srgbClr val="000066"/>
-                </a:solidFill>
-                <a:latin typeface="微軟正黑體" pitchFamily="34" charset="-120"/>
-                <a:ea typeface="微軟正黑體" pitchFamily="34" charset="-120"/>
-              </a:rPr>
-              <a:t>但我主永長</a:t>
-            </a:r>
-            <a:r>
-              <a:rPr lang="zh-TW" altLang="en-US" sz="5400" b="1" dirty="0" smtClean="0">
-                <a:solidFill>
-                  <a:srgbClr val="000066"/>
-                </a:solidFill>
-                <a:latin typeface="微軟正黑體" pitchFamily="34" charset="-120"/>
-                <a:ea typeface="微軟正黑體" pitchFamily="34" charset="-120"/>
-              </a:rPr>
-              <a:t>存</a:t>
-            </a:r>
-            <a:endParaRPr lang="en-US" altLang="zh-TW" sz="5400" b="1" dirty="0" smtClean="0">
+              <a:rPr lang="zh-TW" altLang="en-US" sz="4800" b="1" dirty="0">
+                <a:solidFill>
+                  <a:srgbClr val="000066"/>
+                </a:solidFill>
+                <a:latin typeface="微軟正黑體" pitchFamily="34" charset="-120"/>
+                <a:ea typeface="微軟正黑體" pitchFamily="34" charset="-120"/>
+              </a:rPr>
+              <a:t>天地都會 漸漸廢去 </a:t>
+            </a:r>
+            <a:endParaRPr lang="en-US" altLang="zh-TW" sz="4800" b="1" dirty="0">
               <a:solidFill>
                 <a:srgbClr val="000066"/>
               </a:solidFill>
@@ -4226,16 +4236,26 @@
               <a:buNone/>
             </a:pPr>
             <a:r>
-              <a:rPr lang="zh-TW" altLang="en-US" sz="5400" b="1" dirty="0">
-                <a:solidFill>
-                  <a:srgbClr val="000066"/>
-                </a:solidFill>
-                <a:latin typeface="微軟正黑體" pitchFamily="34" charset="-120"/>
-                <a:ea typeface="微軟正黑體" pitchFamily="34" charset="-120"/>
-              </a:rPr>
-              <a:t>我的生命 有主看顧 </a:t>
-            </a:r>
-            <a:endParaRPr lang="en-US" altLang="zh-TW" sz="5400" b="1" dirty="0">
+              <a:rPr lang="zh-TW" altLang="en-US" sz="4800" b="1" dirty="0">
+                <a:solidFill>
+                  <a:srgbClr val="000066"/>
+                </a:solidFill>
+                <a:latin typeface="微軟正黑體" pitchFamily="34" charset="-120"/>
+                <a:ea typeface="微軟正黑體" pitchFamily="34" charset="-120"/>
+              </a:rPr>
+              <a:t>但我主永長</a:t>
+            </a:r>
+            <a:r>
+              <a:rPr lang="zh-TW" altLang="en-US" sz="4800" b="1" dirty="0">
+                <a:solidFill>
+                  <a:srgbClr val="000066"/>
+                </a:solidFill>
+                <a:latin typeface="微軟正黑體" pitchFamily="34" charset="-120"/>
+                <a:ea typeface="微軟正黑體" pitchFamily="34" charset="-120"/>
+              </a:rPr>
+              <a:t>存</a:t>
+            </a:r>
+            <a:endParaRPr lang="en-US" altLang="zh-TW" sz="4800" b="1" dirty="0">
               <a:solidFill>
                 <a:srgbClr val="000066"/>
               </a:solidFill>
@@ -4248,7 +4268,29 @@
               <a:buNone/>
             </a:pPr>
             <a:r>
-              <a:rPr lang="zh-TW" altLang="en-US" sz="5400" b="1" dirty="0">
+              <a:rPr lang="zh-TW" altLang="en-US" sz="4800" b="1" dirty="0">
+                <a:solidFill>
+                  <a:srgbClr val="000066"/>
+                </a:solidFill>
+                <a:latin typeface="微軟正黑體" pitchFamily="34" charset="-120"/>
+                <a:ea typeface="微軟正黑體" pitchFamily="34" charset="-120"/>
+              </a:rPr>
+              <a:t>我的生命 有主看顧 </a:t>
+            </a:r>
+            <a:endParaRPr lang="en-US" altLang="zh-TW" sz="4800" b="1" dirty="0">
+              <a:solidFill>
+                <a:srgbClr val="000066"/>
+              </a:solidFill>
+              <a:latin typeface="微軟正黑體" pitchFamily="34" charset="-120"/>
+              <a:ea typeface="微軟正黑體" pitchFamily="34" charset="-120"/>
+            </a:endParaRPr>
+          </a:p>
+          <a:p>
+            <a:pPr algn="ctr">
+              <a:buNone/>
+            </a:pPr>
+            <a:r>
+              <a:rPr lang="zh-TW" altLang="en-US" sz="4800" b="1" dirty="0">
                 <a:solidFill>
                   <a:srgbClr val="000066"/>
                 </a:solidFill>
@@ -4258,7 +4300,7 @@
               <a:t>我永遠屬於祢</a:t>
             </a:r>
             <a:r>
-              <a:rPr lang="en-US" altLang="zh-TW" sz="4000" b="1" dirty="0">
+              <a:rPr lang="en-US" altLang="zh-TW" b="1" dirty="0">
                 <a:solidFill>
                   <a:srgbClr val="000066"/>
                 </a:solidFill>
@@ -4268,7 +4310,7 @@
               <a:t>(x3</a:t>
             </a:r>
             <a:r>
-              <a:rPr lang="en-US" altLang="zh-TW" sz="4000" b="1" dirty="0" smtClean="0">
+              <a:rPr lang="en-US" altLang="zh-TW" b="1" dirty="0">
                 <a:solidFill>
                   <a:srgbClr val="000066"/>
                 </a:solidFill>
@@ -4277,7 +4319,7 @@
               </a:rPr>
               <a:t>)</a:t>
             </a:r>
-            <a:endParaRPr lang="zh-TW" altLang="en-US" sz="4000" b="1" dirty="0">
+            <a:endParaRPr lang="zh-TW" altLang="en-US" sz="4800" b="1" dirty="0">
               <a:solidFill>
                 <a:srgbClr val="000066"/>
               </a:solidFill>
@@ -4329,84 +4371,52 @@
         </p:nvSpPr>
         <p:spPr/>
         <p:txBody>
-          <a:bodyPr/>
-          <a:lstStyle/>
-          <a:p>
-            <a:r>
-              <a:rPr lang="zh-TW" altLang="en-US" b="1" dirty="0" smtClean="0">
-                <a:solidFill>
-                  <a:srgbClr val="000066"/>
-                </a:solidFill>
-                <a:latin typeface="微軟正黑體" pitchFamily="34" charset="-120"/>
-                <a:ea typeface="微軟正黑體" pitchFamily="34" charset="-120"/>
-              </a:rPr>
-              <a:t>奇異恩典</a:t>
-            </a:r>
-            <a:r>
-              <a:rPr lang="zh-CN" altLang="en-US" b="1" dirty="0" smtClean="0">
-                <a:solidFill>
-                  <a:srgbClr val="000066"/>
-                </a:solidFill>
-                <a:latin typeface="微軟正黑體" pitchFamily="34" charset="-120"/>
-                <a:ea typeface="微軟正黑體" pitchFamily="34" charset="-120"/>
-              </a:rPr>
-              <a:t>（</a:t>
-            </a:r>
-            <a:r>
-              <a:rPr lang="zh-TW" altLang="en-US" b="1" dirty="0" smtClean="0">
-                <a:solidFill>
-                  <a:srgbClr val="000066"/>
-                </a:solidFill>
-                <a:latin typeface="微軟正黑體" pitchFamily="34" charset="-120"/>
-                <a:ea typeface="微軟正黑體" pitchFamily="34" charset="-120"/>
-              </a:rPr>
-              <a:t>不再綑綁</a:t>
-            </a:r>
-            <a:r>
-              <a:rPr lang="zh-CN" altLang="en-US" b="1" dirty="0" smtClean="0">
-                <a:solidFill>
-                  <a:srgbClr val="000066"/>
-                </a:solidFill>
-                <a:latin typeface="微軟正黑體" pitchFamily="34" charset="-120"/>
-                <a:ea typeface="微軟正黑體" pitchFamily="34" charset="-120"/>
-              </a:rPr>
-              <a:t>）</a:t>
-            </a:r>
-            <a:endParaRPr lang="en-US" dirty="0"/>
-          </a:p>
-        </p:txBody>
-      </p:sp>
-      <p:sp>
-        <p:nvSpPr>
-          <p:cNvPr id="3" name="Content Placeholder 2"/>
-          <p:cNvSpPr>
-            <a:spLocks noGrp="1"/>
-          </p:cNvSpPr>
-          <p:nvPr>
-            <p:ph idx="1"/>
-          </p:nvPr>
-        </p:nvSpPr>
-        <p:spPr/>
-        <p:txBody>
           <a:bodyPr>
             <a:normAutofit/>
           </a:bodyPr>
           <a:lstStyle/>
           <a:p>
-            <a:pPr algn="ctr">
-              <a:buNone/>
-            </a:pPr>
-            <a:r>
-              <a:rPr lang="zh-TW" altLang="en-US" sz="5400" b="1" dirty="0">
-                <a:solidFill>
-                  <a:srgbClr val="000066"/>
-                </a:solidFill>
-                <a:latin typeface="微軟正黑體" pitchFamily="34" charset="-120"/>
-                <a:ea typeface="微軟正黑體" pitchFamily="34" charset="-120"/>
-              </a:rPr>
-              <a:t>不再有捆綁 我已得釋放 </a:t>
-            </a:r>
-            <a:endParaRPr lang="en-US" altLang="zh-TW" sz="5400" b="1" dirty="0">
+            <a:r>
+              <a:rPr lang="zh-TW" altLang="en-US" sz="4000" b="1" dirty="0">
+                <a:solidFill>
+                  <a:srgbClr val="000066"/>
+                </a:solidFill>
+                <a:latin typeface="微軟正黑體" pitchFamily="34" charset="-120"/>
+                <a:ea typeface="微軟正黑體" pitchFamily="34" charset="-120"/>
+              </a:rPr>
+              <a:t>奇異恩典</a:t>
+            </a:r>
+            <a:r>
+              <a:rPr lang="zh-CN" altLang="en-US" sz="4000" b="1" dirty="0">
+                <a:solidFill>
+                  <a:srgbClr val="000066"/>
+                </a:solidFill>
+                <a:latin typeface="微軟正黑體" pitchFamily="34" charset="-120"/>
+                <a:ea typeface="微軟正黑體" pitchFamily="34" charset="-120"/>
+              </a:rPr>
+              <a:t>（</a:t>
+            </a:r>
+            <a:r>
+              <a:rPr lang="zh-TW" altLang="en-US" sz="4000" b="1" dirty="0">
+                <a:solidFill>
+                  <a:srgbClr val="000066"/>
+                </a:solidFill>
+                <a:latin typeface="微軟正黑體" pitchFamily="34" charset="-120"/>
+                <a:ea typeface="微軟正黑體" pitchFamily="34" charset="-120"/>
+              </a:rPr>
+              <a:t>不再綑綁</a:t>
+            </a:r>
+            <a:r>
+              <a:rPr lang="zh-CN" altLang="en-US" sz="4000" b="1" dirty="0">
+                <a:solidFill>
+                  <a:srgbClr val="000066"/>
+                </a:solidFill>
+                <a:latin typeface="微軟正黑體" pitchFamily="34" charset="-120"/>
+                <a:ea typeface="微軟正黑體" pitchFamily="34" charset="-120"/>
+              </a:rPr>
+              <a:t>）</a:t>
+            </a:r>
+            <a:endParaRPr lang="en-US" sz="4000" b="1" dirty="0">
               <a:solidFill>
                 <a:srgbClr val="000066"/>
               </a:solidFill>
@@ -4414,31 +4424,39 @@
               <a:ea typeface="微軟正黑體" pitchFamily="34" charset="-120"/>
             </a:endParaRPr>
           </a:p>
+        </p:txBody>
+      </p:sp>
+      <p:sp>
+        <p:nvSpPr>
+          <p:cNvPr id="3" name="Content Placeholder 2"/>
+          <p:cNvSpPr>
+            <a:spLocks noGrp="1"/>
+          </p:cNvSpPr>
+          <p:nvPr>
+            <p:ph idx="1"/>
+          </p:nvPr>
+        </p:nvSpPr>
+        <p:spPr/>
+        <p:txBody>
+          <a:bodyPr>
+            <a:noAutofit/>
+          </a:bodyPr>
+          <a:lstStyle/>
           <a:p>
             <a:pPr algn="ctr">
               <a:buNone/>
             </a:pPr>
             <a:r>
-              <a:rPr lang="zh-TW" altLang="en-US" sz="5400" b="1" dirty="0">
-                <a:solidFill>
-                  <a:srgbClr val="000066"/>
-                </a:solidFill>
-                <a:latin typeface="微軟正黑體" pitchFamily="34" charset="-120"/>
-                <a:ea typeface="微軟正黑體" pitchFamily="34" charset="-120"/>
-              </a:rPr>
-              <a:t>我救主耶穌 已付代</a:t>
-            </a:r>
-            <a:r>
-              <a:rPr lang="zh-TW" altLang="en-US" sz="5400" b="1" dirty="0" smtClean="0">
-                <a:solidFill>
-                  <a:srgbClr val="000066"/>
-                </a:solidFill>
-                <a:latin typeface="微軟正黑體" pitchFamily="34" charset="-120"/>
-                <a:ea typeface="微軟正黑體" pitchFamily="34" charset="-120"/>
-              </a:rPr>
-              <a:t>價</a:t>
-            </a:r>
-            <a:endParaRPr lang="en-US" altLang="zh-TW" sz="5400" b="1" dirty="0" smtClean="0">
+              <a:rPr lang="zh-TW" altLang="en-US" sz="4800" b="1" dirty="0">
+                <a:solidFill>
+                  <a:srgbClr val="000066"/>
+                </a:solidFill>
+                <a:latin typeface="微軟正黑體" pitchFamily="34" charset="-120"/>
+                <a:ea typeface="微軟正黑體" pitchFamily="34" charset="-120"/>
+              </a:rPr>
+              <a:t>不再有捆綁 我已得釋放 </a:t>
+            </a:r>
+            <a:endParaRPr lang="en-US" altLang="zh-TW" sz="4800" b="1" dirty="0">
               <a:solidFill>
                 <a:srgbClr val="000066"/>
               </a:solidFill>
@@ -4451,16 +4469,26 @@
               <a:buNone/>
             </a:pPr>
             <a:r>
-              <a:rPr lang="zh-TW" altLang="en-US" sz="5400" b="1" dirty="0">
-                <a:solidFill>
-                  <a:srgbClr val="000066"/>
-                </a:solidFill>
-                <a:latin typeface="微軟正黑體" pitchFamily="34" charset="-120"/>
-                <a:ea typeface="微軟正黑體" pitchFamily="34" charset="-120"/>
-              </a:rPr>
-              <a:t>豐富恩典 今充滿我 </a:t>
-            </a:r>
-            <a:endParaRPr lang="en-US" altLang="zh-TW" sz="5400" b="1" dirty="0">
+              <a:rPr lang="zh-TW" altLang="en-US" sz="4800" b="1" dirty="0">
+                <a:solidFill>
+                  <a:srgbClr val="000066"/>
+                </a:solidFill>
+                <a:latin typeface="微軟正黑體" pitchFamily="34" charset="-120"/>
+                <a:ea typeface="微軟正黑體" pitchFamily="34" charset="-120"/>
+              </a:rPr>
+              <a:t>我救主耶穌 已付代</a:t>
+            </a:r>
+            <a:r>
+              <a:rPr lang="zh-TW" altLang="en-US" sz="4800" b="1" dirty="0">
+                <a:solidFill>
+                  <a:srgbClr val="000066"/>
+                </a:solidFill>
+                <a:latin typeface="微軟正黑體" pitchFamily="34" charset="-120"/>
+                <a:ea typeface="微軟正黑體" pitchFamily="34" charset="-120"/>
+              </a:rPr>
+              <a:t>價</a:t>
+            </a:r>
+            <a:endParaRPr lang="en-US" altLang="zh-TW" sz="4800" b="1" dirty="0">
               <a:solidFill>
                 <a:srgbClr val="000066"/>
               </a:solidFill>
@@ -4473,7 +4501,29 @@
               <a:buNone/>
             </a:pPr>
             <a:r>
-              <a:rPr lang="zh-TW" altLang="en-US" sz="5400" b="1" dirty="0">
+              <a:rPr lang="zh-TW" altLang="en-US" sz="4800" b="1" dirty="0">
+                <a:solidFill>
+                  <a:srgbClr val="000066"/>
+                </a:solidFill>
+                <a:latin typeface="微軟正黑體" pitchFamily="34" charset="-120"/>
+                <a:ea typeface="微軟正黑體" pitchFamily="34" charset="-120"/>
+              </a:rPr>
+              <a:t>豐富恩典 今充滿我 </a:t>
+            </a:r>
+            <a:endParaRPr lang="en-US" altLang="zh-TW" sz="4800" b="1" dirty="0">
+              <a:solidFill>
+                <a:srgbClr val="000066"/>
+              </a:solidFill>
+              <a:latin typeface="微軟正黑體" pitchFamily="34" charset="-120"/>
+              <a:ea typeface="微軟正黑體" pitchFamily="34" charset="-120"/>
+            </a:endParaRPr>
+          </a:p>
+          <a:p>
+            <a:pPr algn="ctr">
+              <a:buNone/>
+            </a:pPr>
+            <a:r>
+              <a:rPr lang="zh-TW" altLang="en-US" sz="4800" b="1" dirty="0">
                 <a:solidFill>
                   <a:srgbClr val="000066"/>
                 </a:solidFill>
@@ -4483,7 +4533,7 @@
               <a:t>永恆的愛 奇異恩</a:t>
             </a:r>
             <a:r>
-              <a:rPr lang="zh-TW" altLang="en-US" sz="5400" b="1" dirty="0" smtClean="0">
+              <a:rPr lang="zh-TW" altLang="en-US" sz="4800" b="1" dirty="0">
                 <a:solidFill>
                   <a:srgbClr val="000066"/>
                 </a:solidFill>
@@ -4492,7 +4542,7 @@
               </a:rPr>
               <a:t>典</a:t>
             </a:r>
-            <a:endParaRPr lang="zh-TW" altLang="en-US" sz="5400" b="1" dirty="0">
+            <a:endParaRPr lang="zh-TW" altLang="en-US" sz="4800" b="1" dirty="0">
               <a:solidFill>
                 <a:srgbClr val="000066"/>
               </a:solidFill>
